--- a/doc/前端-HTML5.pptx
+++ b/doc/前端-HTML5.pptx
@@ -5,12 +5,11 @@
     <p:sldMasterId id="2147483648" r:id="rId1"/>
   </p:sldMasterIdLst>
   <p:notesMasterIdLst>
-    <p:notesMasterId r:id="rId5"/>
+    <p:notesMasterId r:id="rId4"/>
   </p:notesMasterIdLst>
   <p:sldIdLst>
     <p:sldId id="256" r:id="rId2"/>
     <p:sldId id="258" r:id="rId3"/>
-    <p:sldId id="259" r:id="rId4"/>
   </p:sldIdLst>
   <p:sldSz cx="9144000" cy="6858000" type="screen4x3"/>
   <p:notesSz cx="6858000" cy="9144000"/>
@@ -194,7 +193,7 @@
           <a:p>
             <a:fld id="{B86859C3-2692-784F-AC34-40A9E7B69405}" type="datetimeFigureOut">
               <a:rPr kumimoji="1" lang="zh-CN" altLang="en-US" smtClean="0"/>
-              <a:t>17/2/21</a:t>
+              <a:t>17/3/2</a:t>
             </a:fld>
             <a:endParaRPr kumimoji="1" lang="zh-CN" altLang="en-US"/>
           </a:p>
@@ -512,11 +511,7 @@
             </a:r>
             <a:r>
               <a:rPr kumimoji="1" lang="zh-CN" altLang="en-US" dirty="0" smtClean="0"/>
-              <a:t>、多屏时代，开发者痛苦指数高。</a:t>
-            </a:r>
-            <a:r>
-              <a:rPr kumimoji="1" lang="zh-CN" altLang="en-US" dirty="0" smtClean="0"/>
-              <a:t>跨平台技术在早期大多因为性能问题夭折，但中后期硬件能力增强后又会占据主流</a:t>
+              <a:t>、多屏时代，开发者痛苦指数高。跨平台技术在早期大多因为性能问题夭折，但中后期硬件能力增强后又会占据主流</a:t>
             </a:r>
             <a:endParaRPr kumimoji="1" lang="en-US" altLang="zh-CN" dirty="0" smtClean="0"/>
           </a:p>
@@ -527,11 +522,7 @@
             </a:r>
             <a:r>
               <a:rPr kumimoji="1" lang="zh-CN" altLang="en-US" dirty="0" smtClean="0"/>
-              <a:t>、</a:t>
-            </a:r>
-            <a:r>
-              <a:rPr kumimoji="1" lang="zh-CN" altLang="en-US" dirty="0" smtClean="0"/>
-              <a:t>使用原生开发，从招聘、开发、上线各个环节的效率都慢一倍以上，而且参与的人越多，沟通效率往往拖慢不止一倍。</a:t>
+              <a:t>、使用原生开发，从招聘、开发、上线各个环节的效率都慢一倍以上，而且参与的人越多，沟通效率往往拖慢不止一倍。</a:t>
             </a:r>
           </a:p>
           <a:p>
@@ -541,11 +532,7 @@
             </a:r>
             <a:r>
               <a:rPr kumimoji="1" lang="zh-CN" altLang="en-US" dirty="0" smtClean="0"/>
-              <a:t>、</a:t>
-            </a:r>
-            <a:r>
-              <a:rPr kumimoji="1" lang="zh-CN" altLang="en-US" dirty="0" smtClean="0"/>
-              <a:t>一个原生应用上线</a:t>
+              <a:t>、一个原生应用上线</a:t>
             </a:r>
             <a:r>
               <a:rPr kumimoji="1" lang="en-US" altLang="zh-CN" dirty="0" err="1" smtClean="0"/>
@@ -585,15 +572,7 @@
             </a:r>
             <a:r>
               <a:rPr kumimoji="1" lang="zh-CN" altLang="en-US" dirty="0" smtClean="0"/>
-              <a:t>个星期被用户的</a:t>
-            </a:r>
-            <a:r>
-              <a:rPr kumimoji="1" lang="zh-CN" altLang="en-US" dirty="0" smtClean="0"/>
-              <a:t>唾沫</a:t>
-            </a:r>
-            <a:r>
-              <a:rPr kumimoji="1" lang="zh-CN" altLang="en-US" dirty="0" smtClean="0"/>
-              <a:t>淹死，市场上一片差评，用户大量流失。等新应用被审核上线了，用户已经卸载了。</a:t>
+              <a:t>个星期被用户的唾沫淹死，市场上一片差评，用户大量流失。等新应用被审核上线了，用户已经卸载了。</a:t>
             </a:r>
             <a:r>
               <a:rPr kumimoji="1" lang="en-US" altLang="zh-CN" dirty="0" smtClean="0"/>
@@ -611,11 +590,7 @@
             </a:r>
             <a:r>
               <a:rPr kumimoji="1" lang="zh-CN" altLang="en-US" dirty="0" smtClean="0"/>
-              <a:t>、</a:t>
-            </a:r>
-            <a:r>
-              <a:rPr kumimoji="1" lang="zh-CN" altLang="en-US" dirty="0" smtClean="0"/>
-              <a:t>大量的开源库可以使用，开发应用变得更轻松、更敏捷，当然这也体现在了快速迭代和成本下降上。不过更重要的是，这种开放的正反馈循环生态系统未来的生命力是比原生生态系统更强劲的。</a:t>
+              <a:t>、大量的开源库可以使用，开发应用变得更轻松、更敏捷，当然这也体现在了快速迭代和成本下降上。不过更重要的是，这种开放的正反馈循环生态系统未来的生命力是比原生生态系统更强劲的。</a:t>
             </a:r>
           </a:p>
           <a:p>
@@ -625,19 +600,7 @@
             </a:r>
             <a:r>
               <a:rPr kumimoji="1" lang="zh-CN" altLang="en-US" dirty="0" smtClean="0"/>
-              <a:t>、</a:t>
-            </a:r>
-            <a:r>
-              <a:rPr kumimoji="1" lang="zh-CN" altLang="en-US" dirty="0" smtClean="0"/>
-              <a:t>更容易推广、更容易爆发</a:t>
-            </a:r>
-            <a:r>
-              <a:rPr kumimoji="1" lang="zh-CN" altLang="en-US" dirty="0" smtClean="0"/>
-              <a:t>，</a:t>
-            </a:r>
-            <a:r>
-              <a:rPr kumimoji="1" lang="zh-CN" altLang="en-US" dirty="0" smtClean="0"/>
-              <a:t>导流入口多：</a:t>
+              <a:t>、更容易推广、更容易爆发，导流入口多：</a:t>
             </a:r>
             <a:r>
               <a:rPr kumimoji="1" lang="en-US" altLang="zh-CN" dirty="0" smtClean="0"/>
@@ -717,114 +680,6 @@
     <p:extLst>
       <p:ext uri="{BB962C8B-B14F-4D97-AF65-F5344CB8AC3E}">
         <p14:creationId xmlns:p14="http://schemas.microsoft.com/office/powerpoint/2010/main" val="1920235174"/>
-      </p:ext>
-    </p:extLst>
-  </p:cSld>
-  <p:clrMapOvr>
-    <a:masterClrMapping/>
-  </p:clrMapOvr>
-</p:notes>
-</file>
-
-<file path=ppt/notesSlides/notesSlide2.xml><?xml version="1.0" encoding="utf-8"?>
-<p:notes xmlns:a="http://schemas.openxmlformats.org/drawingml/2006/main" xmlns:r="http://schemas.openxmlformats.org/officeDocument/2006/relationships" xmlns:p="http://schemas.openxmlformats.org/presentationml/2006/main">
-  <p:cSld>
-    <p:spTree>
-      <p:nvGrpSpPr>
-        <p:cNvPr id="1" name=""/>
-        <p:cNvGrpSpPr/>
-        <p:nvPr/>
-      </p:nvGrpSpPr>
-      <p:grpSpPr>
-        <a:xfrm>
-          <a:off x="0" y="0"/>
-          <a:ext cx="0" cy="0"/>
-          <a:chOff x="0" y="0"/>
-          <a:chExt cx="0" cy="0"/>
-        </a:xfrm>
-      </p:grpSpPr>
-      <p:sp>
-        <p:nvSpPr>
-          <p:cNvPr id="2" name="幻灯片图像占位符 1"/>
-          <p:cNvSpPr>
-            <a:spLocks noGrp="1" noRot="1" noChangeAspect="1"/>
-          </p:cNvSpPr>
-          <p:nvPr>
-            <p:ph type="sldImg"/>
-          </p:nvPr>
-        </p:nvSpPr>
-        <p:spPr/>
-      </p:sp>
-      <p:sp>
-        <p:nvSpPr>
-          <p:cNvPr id="3" name="备注占位符 2"/>
-          <p:cNvSpPr>
-            <a:spLocks noGrp="1"/>
-          </p:cNvSpPr>
-          <p:nvPr>
-            <p:ph type="body" idx="1"/>
-          </p:nvPr>
-        </p:nvSpPr>
-        <p:spPr/>
-        <p:txBody>
-          <a:bodyPr/>
-          <a:lstStyle/>
-          <a:p>
-            <a:r>
-              <a:rPr kumimoji="1" lang="zh-CN" altLang="en-US" dirty="0" smtClean="0"/>
-              <a:t>被引用的自由变量将和这个函数一同存在，即使已经离开了创造它的环境也不例外。</a:t>
-            </a:r>
-            <a:endParaRPr kumimoji="1" lang="en-US" altLang="zh-CN" dirty="0" smtClean="0"/>
-          </a:p>
-          <a:p>
-            <a:r>
-              <a:rPr kumimoji="1" lang="zh-CN" altLang="en-US" dirty="0" smtClean="0"/>
-              <a:t>变量的作用域仅限于包含它们的函数，因此无法从其它程序代码部分进行访问。</a:t>
-            </a:r>
-            <a:endParaRPr kumimoji="1" lang="en-US" altLang="zh-CN" dirty="0" smtClean="0"/>
-          </a:p>
-          <a:p>
-            <a:r>
-              <a:rPr kumimoji="1" lang="zh-CN" altLang="en-US" dirty="0" smtClean="0"/>
-              <a:t>正因为这一特点，闭包可以用来完成信息隐藏，并进而应用于需要状态表达的某些编程范型中。 </a:t>
-            </a:r>
-            <a:endParaRPr kumimoji="1" lang="en-US" altLang="zh-CN" dirty="0" smtClean="0"/>
-          </a:p>
-          <a:p>
-            <a:endParaRPr kumimoji="1" lang="en-US" altLang="zh-CN" smtClean="0"/>
-          </a:p>
-          <a:p>
-            <a:endParaRPr kumimoji="1" lang="zh-CN" altLang="en-US" dirty="0"/>
-          </a:p>
-        </p:txBody>
-      </p:sp>
-      <p:sp>
-        <p:nvSpPr>
-          <p:cNvPr id="4" name="幻灯片编号占位符 3"/>
-          <p:cNvSpPr>
-            <a:spLocks noGrp="1"/>
-          </p:cNvSpPr>
-          <p:nvPr>
-            <p:ph type="sldNum" sz="quarter" idx="10"/>
-          </p:nvPr>
-        </p:nvSpPr>
-        <p:spPr/>
-        <p:txBody>
-          <a:bodyPr/>
-          <a:lstStyle/>
-          <a:p>
-            <a:fld id="{30E5BD0C-2667-BA41-90C5-58CB9DE5FD83}" type="slidenum">
-              <a:rPr kumimoji="1" lang="zh-CN" altLang="en-US" smtClean="0"/>
-              <a:t>3</a:t>
-            </a:fld>
-            <a:endParaRPr kumimoji="1" lang="zh-CN" altLang="en-US"/>
-          </a:p>
-        </p:txBody>
-      </p:sp>
-    </p:spTree>
-    <p:extLst>
-      <p:ext uri="{BB962C8B-B14F-4D97-AF65-F5344CB8AC3E}">
-        <p14:creationId xmlns:p14="http://schemas.microsoft.com/office/powerpoint/2010/main" val="400588192"/>
       </p:ext>
     </p:extLst>
   </p:cSld>
@@ -1015,7 +870,7 @@
           <a:p>
             <a:fld id="{D7B12BEA-236C-5749-AF49-060B228B08C5}" type="datetimeFigureOut">
               <a:rPr kumimoji="1" lang="zh-CN" altLang="en-US" smtClean="0"/>
-              <a:t>17/2/21</a:t>
+              <a:t>17/3/2</a:t>
             </a:fld>
             <a:endParaRPr kumimoji="1" lang="zh-CN" altLang="en-US"/>
           </a:p>
@@ -1185,7 +1040,7 @@
           <a:p>
             <a:fld id="{D7B12BEA-236C-5749-AF49-060B228B08C5}" type="datetimeFigureOut">
               <a:rPr kumimoji="1" lang="zh-CN" altLang="en-US" smtClean="0"/>
-              <a:t>17/2/21</a:t>
+              <a:t>17/3/2</a:t>
             </a:fld>
             <a:endParaRPr kumimoji="1" lang="zh-CN" altLang="en-US"/>
           </a:p>
@@ -1365,7 +1220,7 @@
           <a:p>
             <a:fld id="{D7B12BEA-236C-5749-AF49-060B228B08C5}" type="datetimeFigureOut">
               <a:rPr kumimoji="1" lang="zh-CN" altLang="en-US" smtClean="0"/>
-              <a:t>17/2/21</a:t>
+              <a:t>17/3/2</a:t>
             </a:fld>
             <a:endParaRPr kumimoji="1" lang="zh-CN" altLang="en-US"/>
           </a:p>
@@ -1535,7 +1390,7 @@
           <a:p>
             <a:fld id="{D7B12BEA-236C-5749-AF49-060B228B08C5}" type="datetimeFigureOut">
               <a:rPr kumimoji="1" lang="zh-CN" altLang="en-US" smtClean="0"/>
-              <a:t>17/2/21</a:t>
+              <a:t>17/3/2</a:t>
             </a:fld>
             <a:endParaRPr kumimoji="1" lang="zh-CN" altLang="en-US"/>
           </a:p>
@@ -1781,7 +1636,7 @@
           <a:p>
             <a:fld id="{D7B12BEA-236C-5749-AF49-060B228B08C5}" type="datetimeFigureOut">
               <a:rPr kumimoji="1" lang="zh-CN" altLang="en-US" smtClean="0"/>
-              <a:t>17/2/21</a:t>
+              <a:t>17/3/2</a:t>
             </a:fld>
             <a:endParaRPr kumimoji="1" lang="zh-CN" altLang="en-US"/>
           </a:p>
@@ -2069,7 +1924,7 @@
           <a:p>
             <a:fld id="{D7B12BEA-236C-5749-AF49-060B228B08C5}" type="datetimeFigureOut">
               <a:rPr kumimoji="1" lang="zh-CN" altLang="en-US" smtClean="0"/>
-              <a:t>17/2/21</a:t>
+              <a:t>17/3/2</a:t>
             </a:fld>
             <a:endParaRPr kumimoji="1" lang="zh-CN" altLang="en-US"/>
           </a:p>
@@ -2491,7 +2346,7 @@
           <a:p>
             <a:fld id="{D7B12BEA-236C-5749-AF49-060B228B08C5}" type="datetimeFigureOut">
               <a:rPr kumimoji="1" lang="zh-CN" altLang="en-US" smtClean="0"/>
-              <a:t>17/2/21</a:t>
+              <a:t>17/3/2</a:t>
             </a:fld>
             <a:endParaRPr kumimoji="1" lang="zh-CN" altLang="en-US"/>
           </a:p>
@@ -2609,7 +2464,7 @@
           <a:p>
             <a:fld id="{D7B12BEA-236C-5749-AF49-060B228B08C5}" type="datetimeFigureOut">
               <a:rPr kumimoji="1" lang="zh-CN" altLang="en-US" smtClean="0"/>
-              <a:t>17/2/21</a:t>
+              <a:t>17/3/2</a:t>
             </a:fld>
             <a:endParaRPr kumimoji="1" lang="zh-CN" altLang="en-US"/>
           </a:p>
@@ -2704,7 +2559,7 @@
           <a:p>
             <a:fld id="{D7B12BEA-236C-5749-AF49-060B228B08C5}" type="datetimeFigureOut">
               <a:rPr kumimoji="1" lang="zh-CN" altLang="en-US" smtClean="0"/>
-              <a:t>17/2/21</a:t>
+              <a:t>17/3/2</a:t>
             </a:fld>
             <a:endParaRPr kumimoji="1" lang="zh-CN" altLang="en-US"/>
           </a:p>
@@ -2981,7 +2836,7 @@
           <a:p>
             <a:fld id="{D7B12BEA-236C-5749-AF49-060B228B08C5}" type="datetimeFigureOut">
               <a:rPr kumimoji="1" lang="zh-CN" altLang="en-US" smtClean="0"/>
-              <a:t>17/2/21</a:t>
+              <a:t>17/3/2</a:t>
             </a:fld>
             <a:endParaRPr kumimoji="1" lang="zh-CN" altLang="en-US"/>
           </a:p>
@@ -3234,7 +3089,7 @@
           <a:p>
             <a:fld id="{D7B12BEA-236C-5749-AF49-060B228B08C5}" type="datetimeFigureOut">
               <a:rPr kumimoji="1" lang="zh-CN" altLang="en-US" smtClean="0"/>
-              <a:t>17/2/21</a:t>
+              <a:t>17/3/2</a:t>
             </a:fld>
             <a:endParaRPr kumimoji="1" lang="zh-CN" altLang="en-US"/>
           </a:p>
@@ -3447,7 +3302,7 @@
           <a:p>
             <a:fld id="{D7B12BEA-236C-5749-AF49-060B228B08C5}" type="datetimeFigureOut">
               <a:rPr kumimoji="1" lang="zh-CN" altLang="en-US" smtClean="0"/>
-              <a:t>17/2/21</a:t>
+              <a:t>17/3/2</a:t>
             </a:fld>
             <a:endParaRPr kumimoji="1" lang="zh-CN" altLang="en-US"/>
           </a:p>
@@ -3903,11 +3758,7 @@
           <a:p>
             <a:r>
               <a:rPr kumimoji="1" lang="en-US" altLang="zh-CN" dirty="0" smtClean="0"/>
-              <a:t>HTML</a:t>
-            </a:r>
-            <a:r>
-              <a:rPr kumimoji="1" lang="en-US" altLang="zh-CN" dirty="0" smtClean="0"/>
-              <a:t>5</a:t>
+              <a:t>HTML5</a:t>
             </a:r>
             <a:r>
               <a:rPr kumimoji="1" lang="zh-CN" altLang="en-US" dirty="0" smtClean="0"/>
@@ -3974,11 +3825,7 @@
             </a:r>
             <a:r>
               <a:rPr kumimoji="1" lang="zh-CN" altLang="en-US" sz="2400" dirty="0" smtClean="0"/>
-              <a:t>交付</a:t>
-            </a:r>
-            <a:r>
-              <a:rPr kumimoji="1" lang="zh-CN" altLang="en-US" sz="2400" dirty="0" smtClean="0"/>
-              <a:t>：</a:t>
+              <a:t>交付：</a:t>
             </a:r>
             <a:r>
               <a:rPr kumimoji="1" lang="zh-CN" altLang="en-US" sz="2400" dirty="0"/>
@@ -3986,11 +3833,7 @@
             </a:r>
             <a:r>
               <a:rPr kumimoji="1" lang="zh-CN" altLang="en-US" sz="2400" dirty="0" smtClean="0"/>
-              <a:t>更新</a:t>
-            </a:r>
-            <a:r>
-              <a:rPr kumimoji="1" lang="zh-CN" altLang="en-US" sz="2400" dirty="0" smtClean="0"/>
-              <a:t>，立即响应</a:t>
+              <a:t>更新，立即响应</a:t>
             </a:r>
             <a:endParaRPr kumimoji="1" lang="en-US" altLang="zh-CN" sz="2400" dirty="0" smtClean="0"/>
           </a:p>
@@ -4017,7 +3860,6 @@
               <a:rPr kumimoji="1" lang="zh-CN" altLang="en-US" sz="2400" dirty="0"/>
               <a:t>开放的数据交换</a:t>
             </a:r>
-            <a:endParaRPr kumimoji="1" lang="zh-CN" altLang="en-US" sz="2400" dirty="0"/>
           </a:p>
         </p:txBody>
       </p:sp>
@@ -4025,255 +3867,6 @@
     <p:extLst>
       <p:ext uri="{BB962C8B-B14F-4D97-AF65-F5344CB8AC3E}">
         <p14:creationId xmlns:p14="http://schemas.microsoft.com/office/powerpoint/2010/main" val="264709471"/>
-      </p:ext>
-    </p:extLst>
-  </p:cSld>
-  <p:clrMapOvr>
-    <a:masterClrMapping/>
-  </p:clrMapOvr>
-  <p:timing>
-    <p:tnLst>
-      <p:par>
-        <p:cTn xmlns:p14="http://schemas.microsoft.com/office/powerpoint/2010/main" id="1" dur="indefinite" restart="never" nodeType="tmRoot"/>
-      </p:par>
-    </p:tnLst>
-  </p:timing>
-</p:sld>
-</file>
-
-<file path=ppt/slides/slide3.xml><?xml version="1.0" encoding="utf-8"?>
-<p:sld xmlns:a="http://schemas.openxmlformats.org/drawingml/2006/main" xmlns:r="http://schemas.openxmlformats.org/officeDocument/2006/relationships" xmlns:p="http://schemas.openxmlformats.org/presentationml/2006/main">
-  <p:cSld>
-    <p:spTree>
-      <p:nvGrpSpPr>
-        <p:cNvPr id="1" name=""/>
-        <p:cNvGrpSpPr/>
-        <p:nvPr/>
-      </p:nvGrpSpPr>
-      <p:grpSpPr>
-        <a:xfrm>
-          <a:off x="0" y="0"/>
-          <a:ext cx="0" cy="0"/>
-          <a:chOff x="0" y="0"/>
-          <a:chExt cx="0" cy="0"/>
-        </a:xfrm>
-      </p:grpSpPr>
-      <p:sp>
-        <p:nvSpPr>
-          <p:cNvPr id="2" name="标题 1"/>
-          <p:cNvSpPr>
-            <a:spLocks noGrp="1"/>
-          </p:cNvSpPr>
-          <p:nvPr>
-            <p:ph type="title"/>
-          </p:nvPr>
-        </p:nvSpPr>
-        <p:spPr/>
-        <p:txBody>
-          <a:bodyPr/>
-          <a:lstStyle/>
-          <a:p>
-            <a:r>
-              <a:rPr kumimoji="1" lang="zh-CN" altLang="en-US" dirty="0" smtClean="0"/>
-              <a:t>闭包</a:t>
-            </a:r>
-            <a:endParaRPr kumimoji="1" lang="zh-CN" altLang="en-US" dirty="0"/>
-          </a:p>
-        </p:txBody>
-      </p:sp>
-      <p:sp>
-        <p:nvSpPr>
-          <p:cNvPr id="3" name="内容占位符 2"/>
-          <p:cNvSpPr>
-            <a:spLocks noGrp="1"/>
-          </p:cNvSpPr>
-          <p:nvPr>
-            <p:ph idx="1"/>
-          </p:nvPr>
-        </p:nvSpPr>
-        <p:spPr>
-          <a:xfrm>
-            <a:off x="457200" y="1600200"/>
-            <a:ext cx="4689006" cy="4525963"/>
-          </a:xfrm>
-        </p:spPr>
-        <p:txBody>
-          <a:bodyPr>
-            <a:normAutofit fontScale="92500" lnSpcReduction="20000"/>
-          </a:bodyPr>
-          <a:lstStyle/>
-          <a:p>
-            <a:pPr marL="0" indent="0">
-              <a:buNone/>
-            </a:pPr>
-            <a:r>
-              <a:rPr kumimoji="1" lang="en-US" altLang="zh-CN" dirty="0"/>
-              <a:t>function A(a, b, c) { </a:t>
-            </a:r>
-          </a:p>
-          <a:p>
-            <a:pPr marL="0" indent="0">
-              <a:buNone/>
-            </a:pPr>
-            <a:r>
-              <a:rPr kumimoji="1" lang="en-US" altLang="zh-CN" dirty="0"/>
-              <a:t>    </a:t>
-            </a:r>
-            <a:r>
-              <a:rPr kumimoji="1" lang="en-US" altLang="zh-CN" dirty="0" err="1"/>
-              <a:t>var</a:t>
-            </a:r>
-            <a:r>
-              <a:rPr kumimoji="1" lang="en-US" altLang="zh-CN" dirty="0"/>
-              <a:t> </a:t>
-            </a:r>
-            <a:r>
-              <a:rPr kumimoji="1" lang="en-US" altLang="zh-CN" dirty="0" err="1"/>
-              <a:t>ar</a:t>
-            </a:r>
-            <a:r>
-              <a:rPr kumimoji="1" lang="en-US" altLang="zh-CN" dirty="0"/>
-              <a:t> = [a, b, c]; </a:t>
-            </a:r>
-          </a:p>
-          <a:p>
-            <a:pPr marL="0" indent="0">
-              <a:buNone/>
-            </a:pPr>
-            <a:r>
-              <a:rPr kumimoji="1" lang="en-US" altLang="zh-CN" dirty="0"/>
-              <a:t>    return function B(</a:t>
-            </a:r>
-            <a:r>
-              <a:rPr kumimoji="1" lang="en-US" altLang="zh-CN" dirty="0" err="1"/>
-              <a:t>i</a:t>
-            </a:r>
-            <a:r>
-              <a:rPr kumimoji="1" lang="en-US" altLang="zh-CN" dirty="0"/>
-              <a:t>) { </a:t>
-            </a:r>
-          </a:p>
-          <a:p>
-            <a:pPr marL="0" indent="0">
-              <a:buNone/>
-            </a:pPr>
-            <a:r>
-              <a:rPr kumimoji="1" lang="en-US" altLang="zh-CN" dirty="0"/>
-              <a:t>        return </a:t>
-            </a:r>
-            <a:r>
-              <a:rPr kumimoji="1" lang="en-US" altLang="zh-CN" dirty="0" err="1"/>
-              <a:t>ar</a:t>
-            </a:r>
-            <a:r>
-              <a:rPr kumimoji="1" lang="en-US" altLang="zh-CN" dirty="0"/>
-              <a:t>[</a:t>
-            </a:r>
-            <a:r>
-              <a:rPr kumimoji="1" lang="en-US" altLang="zh-CN" dirty="0" err="1"/>
-              <a:t>i</a:t>
-            </a:r>
-            <a:r>
-              <a:rPr kumimoji="1" lang="en-US" altLang="zh-CN" dirty="0"/>
-              <a:t>]; </a:t>
-            </a:r>
-          </a:p>
-          <a:p>
-            <a:pPr marL="0" indent="0">
-              <a:buNone/>
-            </a:pPr>
-            <a:r>
-              <a:rPr kumimoji="1" lang="en-US" altLang="zh-CN" dirty="0"/>
-              <a:t>    }; </a:t>
-            </a:r>
-          </a:p>
-          <a:p>
-            <a:pPr marL="0" indent="0">
-              <a:buNone/>
-            </a:pPr>
-            <a:r>
-              <a:rPr kumimoji="1" lang="en-US" altLang="zh-CN" dirty="0"/>
-              <a:t>} </a:t>
-            </a:r>
-          </a:p>
-          <a:p>
-            <a:endParaRPr kumimoji="1" lang="en-US" altLang="zh-CN" dirty="0"/>
-          </a:p>
-          <a:p>
-            <a:pPr marL="0" indent="0">
-              <a:buNone/>
-            </a:pPr>
-            <a:r>
-              <a:rPr kumimoji="1" lang="en-US" altLang="zh-CN" dirty="0" err="1"/>
-              <a:t>var</a:t>
-            </a:r>
-            <a:r>
-              <a:rPr kumimoji="1" lang="en-US" altLang="zh-CN" dirty="0"/>
-              <a:t> b = A('Here', 'I', 'am'); </a:t>
-            </a:r>
-          </a:p>
-          <a:p>
-            <a:pPr marL="0" indent="0">
-              <a:buNone/>
-            </a:pPr>
-            <a:r>
-              <a:rPr kumimoji="1" lang="en-US" altLang="zh-CN" dirty="0" err="1"/>
-              <a:t>console.log</a:t>
-            </a:r>
-            <a:r>
-              <a:rPr kumimoji="1" lang="en-US" altLang="zh-CN" dirty="0"/>
-              <a:t>(b(1)); </a:t>
-            </a:r>
-            <a:endParaRPr kumimoji="1" lang="zh-CN" altLang="en-US" dirty="0"/>
-          </a:p>
-        </p:txBody>
-      </p:sp>
-      <p:sp>
-        <p:nvSpPr>
-          <p:cNvPr id="5" name="文本框 4"/>
-          <p:cNvSpPr txBox="1"/>
-          <p:nvPr/>
-        </p:nvSpPr>
-        <p:spPr>
-          <a:xfrm>
-            <a:off x="5426608" y="1732026"/>
-            <a:ext cx="3133908" cy="1938992"/>
-          </a:xfrm>
-          <a:prstGeom prst="rect">
-            <a:avLst/>
-          </a:prstGeom>
-          <a:noFill/>
-        </p:spPr>
-        <p:txBody>
-          <a:bodyPr wrap="square" rtlCol="0">
-            <a:spAutoFit/>
-          </a:bodyPr>
-          <a:lstStyle/>
-          <a:p>
-            <a:r>
-              <a:rPr kumimoji="1" lang="zh-CN" altLang="en-US" sz="2400" dirty="0"/>
-              <a:t>一个函数可以持有外层作用域的变量</a:t>
-            </a:r>
-            <a:r>
-              <a:rPr kumimoji="1" lang="en-US" altLang="zh-CN" sz="2400" dirty="0"/>
-              <a:t>,</a:t>
-            </a:r>
-            <a:r>
-              <a:rPr kumimoji="1" lang="zh-CN" altLang="en-US" sz="2400" dirty="0"/>
-              <a:t>并且除了调用该函数以外没有任何其他方法可以访问到这些变量</a:t>
-            </a:r>
-            <a:r>
-              <a:rPr kumimoji="1" lang="en-US" altLang="zh-CN" sz="2400" dirty="0" smtClean="0"/>
-              <a:t>.</a:t>
-            </a:r>
-            <a:endParaRPr kumimoji="1" lang="zh-CN" altLang="en-US" sz="2400" dirty="0"/>
-          </a:p>
-        </p:txBody>
-      </p:sp>
-    </p:spTree>
-    <p:extLst>
-      <p:ext uri="{BB962C8B-B14F-4D97-AF65-F5344CB8AC3E}">
-        <p14:creationId xmlns:p14="http://schemas.microsoft.com/office/powerpoint/2010/main" val="366803774"/>
       </p:ext>
     </p:extLst>
   </p:cSld>
